--- a/documentation/docTravail/seancesTravail/Role4All_use_case/transformation.pptx
+++ b/documentation/docTravail/seancesTravail/Role4All_use_case/transformation.pptx
@@ -288,7 +288,7 @@
           <a:p>
             <a:fld id="{D073B194-33B6-4ABB-821F-8882D458804A}" type="datetimeFigureOut">
               <a:rPr lang="en-US" smtClean="0"/>
-              <a:t>12/9/2015</a:t>
+              <a:t>1/6/2016</a:t>
             </a:fld>
             <a:endParaRPr lang="en-US"/>
           </a:p>
@@ -458,7 +458,7 @@
           <a:p>
             <a:fld id="{D073B194-33B6-4ABB-821F-8882D458804A}" type="datetimeFigureOut">
               <a:rPr lang="en-US" smtClean="0"/>
-              <a:t>12/9/2015</a:t>
+              <a:t>1/6/2016</a:t>
             </a:fld>
             <a:endParaRPr lang="en-US"/>
           </a:p>
@@ -638,7 +638,7 @@
           <a:p>
             <a:fld id="{D073B194-33B6-4ABB-821F-8882D458804A}" type="datetimeFigureOut">
               <a:rPr lang="en-US" smtClean="0"/>
-              <a:t>12/9/2015</a:t>
+              <a:t>1/6/2016</a:t>
             </a:fld>
             <a:endParaRPr lang="en-US"/>
           </a:p>
@@ -808,7 +808,7 @@
           <a:p>
             <a:fld id="{D073B194-33B6-4ABB-821F-8882D458804A}" type="datetimeFigureOut">
               <a:rPr lang="en-US" smtClean="0"/>
-              <a:t>12/9/2015</a:t>
+              <a:t>1/6/2016</a:t>
             </a:fld>
             <a:endParaRPr lang="en-US"/>
           </a:p>
@@ -1054,7 +1054,7 @@
           <a:p>
             <a:fld id="{D073B194-33B6-4ABB-821F-8882D458804A}" type="datetimeFigureOut">
               <a:rPr lang="en-US" smtClean="0"/>
-              <a:t>12/9/2015</a:t>
+              <a:t>1/6/2016</a:t>
             </a:fld>
             <a:endParaRPr lang="en-US"/>
           </a:p>
@@ -1342,7 +1342,7 @@
           <a:p>
             <a:fld id="{D073B194-33B6-4ABB-821F-8882D458804A}" type="datetimeFigureOut">
               <a:rPr lang="en-US" smtClean="0"/>
-              <a:t>12/9/2015</a:t>
+              <a:t>1/6/2016</a:t>
             </a:fld>
             <a:endParaRPr lang="en-US"/>
           </a:p>
@@ -1764,7 +1764,7 @@
           <a:p>
             <a:fld id="{D073B194-33B6-4ABB-821F-8882D458804A}" type="datetimeFigureOut">
               <a:rPr lang="en-US" smtClean="0"/>
-              <a:t>12/9/2015</a:t>
+              <a:t>1/6/2016</a:t>
             </a:fld>
             <a:endParaRPr lang="en-US"/>
           </a:p>
@@ -1882,7 +1882,7 @@
           <a:p>
             <a:fld id="{D073B194-33B6-4ABB-821F-8882D458804A}" type="datetimeFigureOut">
               <a:rPr lang="en-US" smtClean="0"/>
-              <a:t>12/9/2015</a:t>
+              <a:t>1/6/2016</a:t>
             </a:fld>
             <a:endParaRPr lang="en-US"/>
           </a:p>
@@ -1977,7 +1977,7 @@
           <a:p>
             <a:fld id="{D073B194-33B6-4ABB-821F-8882D458804A}" type="datetimeFigureOut">
               <a:rPr lang="en-US" smtClean="0"/>
-              <a:t>12/9/2015</a:t>
+              <a:t>1/6/2016</a:t>
             </a:fld>
             <a:endParaRPr lang="en-US"/>
           </a:p>
@@ -2254,7 +2254,7 @@
           <a:p>
             <a:fld id="{D073B194-33B6-4ABB-821F-8882D458804A}" type="datetimeFigureOut">
               <a:rPr lang="en-US" smtClean="0"/>
-              <a:t>12/9/2015</a:t>
+              <a:t>1/6/2016</a:t>
             </a:fld>
             <a:endParaRPr lang="en-US"/>
           </a:p>
@@ -2507,7 +2507,7 @@
           <a:p>
             <a:fld id="{D073B194-33B6-4ABB-821F-8882D458804A}" type="datetimeFigureOut">
               <a:rPr lang="en-US" smtClean="0"/>
-              <a:t>12/9/2015</a:t>
+              <a:t>1/6/2016</a:t>
             </a:fld>
             <a:endParaRPr lang="en-US"/>
           </a:p>
@@ -2720,7 +2720,7 @@
           <a:p>
             <a:fld id="{D073B194-33B6-4ABB-821F-8882D458804A}" type="datetimeFigureOut">
               <a:rPr lang="en-US" smtClean="0"/>
-              <a:t>12/9/2015</a:t>
+              <a:t>1/6/2016</a:t>
             </a:fld>
             <a:endParaRPr lang="en-US"/>
           </a:p>
@@ -3095,301 +3095,96 @@
           <a:chExt cx="0" cy="0"/>
         </a:xfrm>
       </p:grpSpPr>
-      <p:grpSp>
-        <p:nvGrpSpPr>
-          <p:cNvPr id="34" name="Groupe 33"/>
-          <p:cNvGrpSpPr/>
+      <p:cxnSp>
+        <p:nvCxnSpPr>
+          <p:cNvPr id="18" name="Connecteur droit 17"/>
+          <p:cNvCxnSpPr/>
           <p:nvPr/>
-        </p:nvGrpSpPr>
-        <p:grpSpPr>
+        </p:nvCxnSpPr>
+        <p:spPr>
           <a:xfrm>
-            <a:off x="-19242" y="0"/>
-            <a:ext cx="9137825" cy="4437112"/>
-            <a:chOff x="-19242" y="0"/>
-            <a:chExt cx="9137825" cy="4437112"/>
+            <a:off x="2339752" y="0"/>
+            <a:ext cx="0" cy="3861048"/>
           </a:xfrm>
-        </p:grpSpPr>
-        <p:pic>
-          <p:nvPicPr>
-            <p:cNvPr id="3" name="Image 2"/>
-            <p:cNvPicPr>
-              <a:picLocks noChangeAspect="1"/>
-            </p:cNvPicPr>
-            <p:nvPr/>
-          </p:nvPicPr>
-          <p:blipFill>
-            <a:blip r:embed="rId2">
-              <a:extLst>
-                <a:ext uri="{28A0092B-C50C-407E-A947-70E740481C1C}">
-                  <a14:useLocalDpi xmlns:a14="http://schemas.microsoft.com/office/drawing/2010/main" val="0"/>
-                </a:ext>
-              </a:extLst>
-            </a:blip>
-            <a:stretch>
-              <a:fillRect/>
-            </a:stretch>
-          </p:blipFill>
-          <p:spPr>
-            <a:xfrm>
-              <a:off x="60794" y="1075970"/>
-              <a:ext cx="2030699" cy="865042"/>
-            </a:xfrm>
-            <a:prstGeom prst="rect">
-              <a:avLst/>
-            </a:prstGeom>
-          </p:spPr>
-        </p:pic>
-        <p:pic>
-          <p:nvPicPr>
-            <p:cNvPr id="6" name="Image 5"/>
-            <p:cNvPicPr>
-              <a:picLocks noChangeAspect="1"/>
-            </p:cNvPicPr>
-            <p:nvPr/>
-          </p:nvPicPr>
-          <p:blipFill>
-            <a:blip r:embed="rId3">
-              <a:extLst>
-                <a:ext uri="{28A0092B-C50C-407E-A947-70E740481C1C}">
-                  <a14:useLocalDpi xmlns:a14="http://schemas.microsoft.com/office/drawing/2010/main" val="0"/>
-                </a:ext>
-              </a:extLst>
-            </a:blip>
-            <a:stretch>
-              <a:fillRect/>
-            </a:stretch>
-          </p:blipFill>
-          <p:spPr>
-            <a:xfrm>
-              <a:off x="-19242" y="2950310"/>
-              <a:ext cx="2160240" cy="916465"/>
-            </a:xfrm>
-            <a:prstGeom prst="rect">
-              <a:avLst/>
-            </a:prstGeom>
-          </p:spPr>
-        </p:pic>
-        <p:cxnSp>
-          <p:nvCxnSpPr>
-            <p:cNvPr id="18" name="Connecteur droit 17"/>
-            <p:cNvCxnSpPr/>
-            <p:nvPr/>
-          </p:nvCxnSpPr>
-          <p:spPr>
-            <a:xfrm>
-              <a:off x="2339752" y="0"/>
-              <a:ext cx="0" cy="4437112"/>
-            </a:xfrm>
-            <a:prstGeom prst="line">
-              <a:avLst/>
-            </a:prstGeom>
-            <a:ln>
-              <a:prstDash val="dash"/>
-            </a:ln>
-          </p:spPr>
-          <p:style>
-            <a:lnRef idx="2">
-              <a:schemeClr val="dk1"/>
-            </a:lnRef>
-            <a:fillRef idx="0">
-              <a:schemeClr val="dk1"/>
-            </a:fillRef>
-            <a:effectRef idx="1">
-              <a:schemeClr val="dk1"/>
-            </a:effectRef>
-            <a:fontRef idx="minor">
-              <a:schemeClr val="tx1"/>
-            </a:fontRef>
-          </p:style>
-        </p:cxnSp>
-        <p:cxnSp>
-          <p:nvCxnSpPr>
-            <p:cNvPr id="21" name="Connecteur droit 20"/>
-            <p:cNvCxnSpPr/>
-            <p:nvPr/>
-          </p:nvCxnSpPr>
-          <p:spPr>
-            <a:xfrm>
-              <a:off x="5148064" y="0"/>
-              <a:ext cx="0" cy="4437112"/>
-            </a:xfrm>
-            <a:prstGeom prst="line">
-              <a:avLst/>
-            </a:prstGeom>
-            <a:ln>
-              <a:prstDash val="dash"/>
-            </a:ln>
-          </p:spPr>
-          <p:style>
-            <a:lnRef idx="2">
-              <a:schemeClr val="dk1"/>
-            </a:lnRef>
-            <a:fillRef idx="0">
-              <a:schemeClr val="dk1"/>
-            </a:fillRef>
-            <a:effectRef idx="1">
-              <a:schemeClr val="dk1"/>
-            </a:effectRef>
-            <a:fontRef idx="minor">
-              <a:schemeClr val="tx1"/>
-            </a:fontRef>
-          </p:style>
-        </p:cxnSp>
-        <p:pic>
-          <p:nvPicPr>
-            <p:cNvPr id="23" name="Image 22"/>
-            <p:cNvPicPr>
-              <a:picLocks noChangeAspect="1"/>
-            </p:cNvPicPr>
-            <p:nvPr/>
-          </p:nvPicPr>
-          <p:blipFill>
-            <a:blip r:embed="rId4">
-              <a:extLst>
-                <a:ext uri="{28A0092B-C50C-407E-A947-70E740481C1C}">
-                  <a14:useLocalDpi xmlns:a14="http://schemas.microsoft.com/office/drawing/2010/main" val="0"/>
-                </a:ext>
-              </a:extLst>
-            </a:blip>
-            <a:stretch>
-              <a:fillRect/>
-            </a:stretch>
-          </p:blipFill>
-          <p:spPr>
-            <a:xfrm>
-              <a:off x="2699792" y="589200"/>
-              <a:ext cx="2095793" cy="1838582"/>
-            </a:xfrm>
-            <a:prstGeom prst="rect">
-              <a:avLst/>
-            </a:prstGeom>
-          </p:spPr>
-        </p:pic>
-        <p:pic>
-          <p:nvPicPr>
-            <p:cNvPr id="24" name="Image 23"/>
-            <p:cNvPicPr>
-              <a:picLocks noChangeAspect="1"/>
-            </p:cNvPicPr>
-            <p:nvPr/>
-          </p:nvPicPr>
-          <p:blipFill>
-            <a:blip r:embed="rId5">
-              <a:extLst>
-                <a:ext uri="{28A0092B-C50C-407E-A947-70E740481C1C}">
-                  <a14:useLocalDpi xmlns:a14="http://schemas.microsoft.com/office/drawing/2010/main" val="0"/>
-                </a:ext>
-              </a:extLst>
-            </a:blip>
-            <a:stretch>
-              <a:fillRect/>
-            </a:stretch>
-          </p:blipFill>
-          <p:spPr>
-            <a:xfrm>
-              <a:off x="2599765" y="2489251"/>
-              <a:ext cx="2295846" cy="1838582"/>
-            </a:xfrm>
-            <a:prstGeom prst="rect">
-              <a:avLst/>
-            </a:prstGeom>
-          </p:spPr>
-        </p:pic>
-        <p:pic>
-          <p:nvPicPr>
-            <p:cNvPr id="25" name="Image 24"/>
-            <p:cNvPicPr>
-              <a:picLocks noChangeAspect="1"/>
-            </p:cNvPicPr>
-            <p:nvPr/>
-          </p:nvPicPr>
-          <p:blipFill>
-            <a:blip r:embed="rId6">
-              <a:extLst>
-                <a:ext uri="{28A0092B-C50C-407E-A947-70E740481C1C}">
-                  <a14:useLocalDpi xmlns:a14="http://schemas.microsoft.com/office/drawing/2010/main" val="0"/>
-                </a:ext>
-              </a:extLst>
-            </a:blip>
-            <a:stretch>
-              <a:fillRect/>
-            </a:stretch>
-          </p:blipFill>
-          <p:spPr>
-            <a:xfrm>
-              <a:off x="5298525" y="2594041"/>
-              <a:ext cx="3820058" cy="1629002"/>
-            </a:xfrm>
-            <a:prstGeom prst="rect">
-              <a:avLst/>
-            </a:prstGeom>
-          </p:spPr>
-        </p:pic>
-        <p:pic>
-          <p:nvPicPr>
-            <p:cNvPr id="26" name="Image 25"/>
-            <p:cNvPicPr>
-              <a:picLocks noChangeAspect="1"/>
-            </p:cNvPicPr>
-            <p:nvPr/>
-          </p:nvPicPr>
-          <p:blipFill>
-            <a:blip r:embed="rId7">
-              <a:extLst>
-                <a:ext uri="{28A0092B-C50C-407E-A947-70E740481C1C}">
-                  <a14:useLocalDpi xmlns:a14="http://schemas.microsoft.com/office/drawing/2010/main" val="0"/>
-                </a:ext>
-              </a:extLst>
-            </a:blip>
-            <a:stretch>
-              <a:fillRect/>
-            </a:stretch>
-          </p:blipFill>
-          <p:spPr>
-            <a:xfrm>
-              <a:off x="5292080" y="674936"/>
-              <a:ext cx="3701202" cy="1814315"/>
-            </a:xfrm>
-            <a:prstGeom prst="rect">
-              <a:avLst/>
-            </a:prstGeom>
-          </p:spPr>
-        </p:pic>
-        <p:sp>
-          <p:nvSpPr>
-            <p:cNvPr id="29" name="ZoneTexte 28"/>
-            <p:cNvSpPr txBox="1"/>
-            <p:nvPr/>
-          </p:nvSpPr>
-          <p:spPr>
-            <a:xfrm>
-              <a:off x="743616" y="27384"/>
-              <a:ext cx="665054" cy="369332"/>
-            </a:xfrm>
-            <a:prstGeom prst="rect">
-              <a:avLst/>
-            </a:prstGeom>
-            <a:noFill/>
-          </p:spPr>
-          <p:txBody>
-            <a:bodyPr wrap="none" rtlCol="0">
-              <a:spAutoFit/>
-            </a:bodyPr>
-            <a:lstStyle/>
-            <a:p>
-              <a:r>
-                <a:rPr lang="fr-FR" b="1" dirty="0" smtClean="0">
-                  <a:effectLst>
-                    <a:outerShdw blurRad="38100" dist="38100" dir="2700000" algn="tl">
-                      <a:srgbClr val="000000">
-                        <a:alpha val="43137"/>
-                      </a:srgbClr>
-                    </a:outerShdw>
-                  </a:effectLst>
-                </a:rPr>
-                <a:t>Excel</a:t>
-              </a:r>
-              <a:endParaRPr lang="en-US" b="1" dirty="0">
+          <a:prstGeom prst="line">
+            <a:avLst/>
+          </a:prstGeom>
+          <a:ln>
+            <a:prstDash val="dash"/>
+          </a:ln>
+        </p:spPr>
+        <p:style>
+          <a:lnRef idx="2">
+            <a:schemeClr val="dk1"/>
+          </a:lnRef>
+          <a:fillRef idx="0">
+            <a:schemeClr val="dk1"/>
+          </a:fillRef>
+          <a:effectRef idx="1">
+            <a:schemeClr val="dk1"/>
+          </a:effectRef>
+          <a:fontRef idx="minor">
+            <a:schemeClr val="tx1"/>
+          </a:fontRef>
+        </p:style>
+      </p:cxnSp>
+      <p:cxnSp>
+        <p:nvCxnSpPr>
+          <p:cNvPr id="21" name="Connecteur droit 20"/>
+          <p:cNvCxnSpPr/>
+          <p:nvPr/>
+        </p:nvCxnSpPr>
+        <p:spPr>
+          <a:xfrm>
+            <a:off x="5148064" y="0"/>
+            <a:ext cx="0" cy="3861048"/>
+          </a:xfrm>
+          <a:prstGeom prst="line">
+            <a:avLst/>
+          </a:prstGeom>
+          <a:ln>
+            <a:prstDash val="dash"/>
+          </a:ln>
+        </p:spPr>
+        <p:style>
+          <a:lnRef idx="2">
+            <a:schemeClr val="dk1"/>
+          </a:lnRef>
+          <a:fillRef idx="0">
+            <a:schemeClr val="dk1"/>
+          </a:fillRef>
+          <a:effectRef idx="1">
+            <a:schemeClr val="dk1"/>
+          </a:effectRef>
+          <a:fontRef idx="minor">
+            <a:schemeClr val="tx1"/>
+          </a:fontRef>
+        </p:style>
+      </p:cxnSp>
+      <p:sp>
+        <p:nvSpPr>
+          <p:cNvPr id="29" name="ZoneTexte 28"/>
+          <p:cNvSpPr txBox="1"/>
+          <p:nvPr/>
+        </p:nvSpPr>
+        <p:spPr>
+          <a:xfrm>
+            <a:off x="743616" y="27384"/>
+            <a:ext cx="665054" cy="369332"/>
+          </a:xfrm>
+          <a:prstGeom prst="rect">
+            <a:avLst/>
+          </a:prstGeom>
+          <a:noFill/>
+        </p:spPr>
+        <p:txBody>
+          <a:bodyPr wrap="none" rtlCol="0">
+            <a:spAutoFit/>
+          </a:bodyPr>
+          <a:lstStyle/>
+          <a:p>
+            <a:r>
+              <a:rPr lang="fr-FR" b="1" dirty="0" smtClean="0">
                 <a:effectLst>
                   <a:outerShdw blurRad="38100" dist="38100" dir="2700000" algn="tl">
                     <a:srgbClr val="000000">
@@ -3397,45 +3192,45 @@
                     </a:srgbClr>
                   </a:outerShdw>
                 </a:effectLst>
-              </a:endParaRPr>
-            </a:p>
-          </p:txBody>
-        </p:sp>
-        <p:sp>
-          <p:nvSpPr>
-            <p:cNvPr id="32" name="ZoneTexte 31"/>
-            <p:cNvSpPr txBox="1"/>
-            <p:nvPr/>
-          </p:nvSpPr>
-          <p:spPr>
-            <a:xfrm>
-              <a:off x="3415161" y="45922"/>
-              <a:ext cx="599844" cy="369332"/>
-            </a:xfrm>
-            <a:prstGeom prst="rect">
-              <a:avLst/>
-            </a:prstGeom>
-            <a:noFill/>
-          </p:spPr>
-          <p:txBody>
-            <a:bodyPr wrap="none" rtlCol="0">
-              <a:spAutoFit/>
-            </a:bodyPr>
-            <a:lstStyle/>
-            <a:p>
-              <a:r>
-                <a:rPr lang="fr-FR" b="1" dirty="0" err="1" smtClean="0">
-                  <a:effectLst>
-                    <a:outerShdw blurRad="38100" dist="38100" dir="2700000" algn="tl">
-                      <a:srgbClr val="000000">
-                        <a:alpha val="43137"/>
-                      </a:srgbClr>
-                    </a:outerShdw>
-                  </a:effectLst>
-                </a:rPr>
-                <a:t>Json</a:t>
-              </a:r>
-              <a:endParaRPr lang="en-US" b="1" dirty="0">
+              </a:rPr>
+              <a:t>Excel</a:t>
+            </a:r>
+            <a:endParaRPr lang="en-US" b="1" dirty="0">
+              <a:effectLst>
+                <a:outerShdw blurRad="38100" dist="38100" dir="2700000" algn="tl">
+                  <a:srgbClr val="000000">
+                    <a:alpha val="43137"/>
+                  </a:srgbClr>
+                </a:outerShdw>
+              </a:effectLst>
+            </a:endParaRPr>
+          </a:p>
+        </p:txBody>
+      </p:sp>
+      <p:sp>
+        <p:nvSpPr>
+          <p:cNvPr id="32" name="ZoneTexte 31"/>
+          <p:cNvSpPr txBox="1"/>
+          <p:nvPr/>
+        </p:nvSpPr>
+        <p:spPr>
+          <a:xfrm>
+            <a:off x="3415161" y="45922"/>
+            <a:ext cx="599844" cy="369332"/>
+          </a:xfrm>
+          <a:prstGeom prst="rect">
+            <a:avLst/>
+          </a:prstGeom>
+          <a:noFill/>
+        </p:spPr>
+        <p:txBody>
+          <a:bodyPr wrap="none" rtlCol="0">
+            <a:spAutoFit/>
+          </a:bodyPr>
+          <a:lstStyle/>
+          <a:p>
+            <a:r>
+              <a:rPr lang="fr-FR" b="1" dirty="0" err="1" smtClean="0">
                 <a:effectLst>
                   <a:outerShdw blurRad="38100" dist="38100" dir="2700000" algn="tl">
                     <a:srgbClr val="000000">
@@ -3443,45 +3238,45 @@
                     </a:srgbClr>
                   </a:outerShdw>
                 </a:effectLst>
-              </a:endParaRPr>
-            </a:p>
-          </p:txBody>
-        </p:sp>
-        <p:sp>
-          <p:nvSpPr>
-            <p:cNvPr id="33" name="ZoneTexte 32"/>
-            <p:cNvSpPr txBox="1"/>
-            <p:nvPr/>
-          </p:nvSpPr>
-          <p:spPr>
-            <a:xfrm>
-              <a:off x="6876027" y="45922"/>
-              <a:ext cx="1065676" cy="369332"/>
-            </a:xfrm>
-            <a:prstGeom prst="rect">
-              <a:avLst/>
-            </a:prstGeom>
-            <a:noFill/>
-          </p:spPr>
-          <p:txBody>
-            <a:bodyPr wrap="none" rtlCol="0">
-              <a:spAutoFit/>
-            </a:bodyPr>
-            <a:lstStyle/>
-            <a:p>
-              <a:r>
-                <a:rPr lang="fr-FR" b="1" dirty="0" err="1" smtClean="0">
-                  <a:effectLst>
-                    <a:outerShdw blurRad="38100" dist="38100" dir="2700000" algn="tl">
-                      <a:srgbClr val="000000">
-                        <a:alpha val="43137"/>
-                      </a:srgbClr>
-                    </a:outerShdw>
-                  </a:effectLst>
-                </a:rPr>
-                <a:t>Smalltalk</a:t>
-              </a:r>
-              <a:endParaRPr lang="en-US" b="1" dirty="0">
+              </a:rPr>
+              <a:t>Json</a:t>
+            </a:r>
+            <a:endParaRPr lang="en-US" b="1" dirty="0">
+              <a:effectLst>
+                <a:outerShdw blurRad="38100" dist="38100" dir="2700000" algn="tl">
+                  <a:srgbClr val="000000">
+                    <a:alpha val="43137"/>
+                  </a:srgbClr>
+                </a:outerShdw>
+              </a:effectLst>
+            </a:endParaRPr>
+          </a:p>
+        </p:txBody>
+      </p:sp>
+      <p:sp>
+        <p:nvSpPr>
+          <p:cNvPr id="33" name="ZoneTexte 32"/>
+          <p:cNvSpPr txBox="1"/>
+          <p:nvPr/>
+        </p:nvSpPr>
+        <p:spPr>
+          <a:xfrm>
+            <a:off x="6876027" y="45922"/>
+            <a:ext cx="1065676" cy="369332"/>
+          </a:xfrm>
+          <a:prstGeom prst="rect">
+            <a:avLst/>
+          </a:prstGeom>
+          <a:noFill/>
+        </p:spPr>
+        <p:txBody>
+          <a:bodyPr wrap="none" rtlCol="0">
+            <a:spAutoFit/>
+          </a:bodyPr>
+          <a:lstStyle/>
+          <a:p>
+            <a:r>
+              <a:rPr lang="fr-FR" b="1" dirty="0" err="1" smtClean="0">
                 <a:effectLst>
                   <a:outerShdw blurRad="38100" dist="38100" dir="2700000" algn="tl">
                     <a:srgbClr val="000000">
@@ -3489,11 +3284,116 @@
                     </a:srgbClr>
                   </a:outerShdw>
                 </a:effectLst>
-              </a:endParaRPr>
-            </a:p>
-          </p:txBody>
-        </p:sp>
-      </p:grpSp>
+              </a:rPr>
+              <a:t>Smalltalk</a:t>
+            </a:r>
+            <a:endParaRPr lang="en-US" b="1" dirty="0">
+              <a:effectLst>
+                <a:outerShdw blurRad="38100" dist="38100" dir="2700000" algn="tl">
+                  <a:srgbClr val="000000">
+                    <a:alpha val="43137"/>
+                  </a:srgbClr>
+                </a:outerShdw>
+              </a:effectLst>
+            </a:endParaRPr>
+          </a:p>
+        </p:txBody>
+      </p:sp>
+      <p:pic>
+        <p:nvPicPr>
+          <p:cNvPr id="2" name="Image 1"/>
+          <p:cNvPicPr>
+            <a:picLocks noChangeAspect="1"/>
+          </p:cNvPicPr>
+          <p:nvPr/>
+        </p:nvPicPr>
+        <p:blipFill>
+          <a:blip r:embed="rId2">
+            <a:extLst>
+              <a:ext uri="{28A0092B-C50C-407E-A947-70E740481C1C}">
+                <a14:useLocalDpi xmlns:a14="http://schemas.microsoft.com/office/drawing/2010/main" val="0"/>
+              </a:ext>
+            </a:extLst>
+          </a:blip>
+          <a:stretch>
+            <a:fillRect/>
+          </a:stretch>
+        </p:blipFill>
+        <p:spPr>
+          <a:xfrm>
+            <a:off x="68031" y="1465972"/>
+            <a:ext cx="2016224" cy="979772"/>
+          </a:xfrm>
+          <a:prstGeom prst="rect">
+            <a:avLst/>
+          </a:prstGeom>
+        </p:spPr>
+      </p:pic>
+      <p:pic>
+        <p:nvPicPr>
+          <p:cNvPr id="4" name="Image 3"/>
+          <p:cNvPicPr>
+            <a:picLocks noChangeAspect="1"/>
+          </p:cNvPicPr>
+          <p:nvPr/>
+        </p:nvPicPr>
+        <p:blipFill>
+          <a:blip r:embed="rId3">
+            <a:extLst>
+              <a:ext uri="{28A0092B-C50C-407E-A947-70E740481C1C}">
+                <a14:useLocalDpi xmlns:a14="http://schemas.microsoft.com/office/drawing/2010/main" val="0"/>
+              </a:ext>
+            </a:extLst>
+          </a:blip>
+          <a:stretch>
+            <a:fillRect/>
+          </a:stretch>
+        </p:blipFill>
+        <p:spPr>
+          <a:xfrm>
+            <a:off x="2662423" y="674935"/>
+            <a:ext cx="2105319" cy="2638793"/>
+          </a:xfrm>
+          <a:prstGeom prst="rect">
+            <a:avLst/>
+          </a:prstGeom>
+        </p:spPr>
+      </p:pic>
+      <p:pic>
+        <p:nvPicPr>
+          <p:cNvPr id="10" name="Image 9"/>
+          <p:cNvPicPr>
+            <a:picLocks noChangeAspect="1"/>
+          </p:cNvPicPr>
+          <p:nvPr/>
+        </p:nvPicPr>
+        <p:blipFill>
+          <a:blip r:embed="rId4">
+            <a:extLst>
+              <a:ext uri="{28A0092B-C50C-407E-A947-70E740481C1C}">
+                <a14:useLocalDpi xmlns:a14="http://schemas.microsoft.com/office/drawing/2010/main" val="0"/>
+              </a:ext>
+            </a:extLst>
+          </a:blip>
+          <a:stretch>
+            <a:fillRect/>
+          </a:stretch>
+        </p:blipFill>
+        <p:spPr>
+          <a:xfrm>
+            <a:off x="5436096" y="476375"/>
+            <a:ext cx="3600400" cy="3384673"/>
+          </a:xfrm>
+          <a:prstGeom prst="rect">
+            <a:avLst/>
+          </a:prstGeom>
+          <a:ln>
+            <a:solidFill>
+              <a:schemeClr val="accent1"/>
+            </a:solidFill>
+          </a:ln>
+        </p:spPr>
+      </p:pic>
     </p:spTree>
     <p:extLst>
       <p:ext uri="{BB962C8B-B14F-4D97-AF65-F5344CB8AC3E}">
